--- a/PresentationContent/ConvoSearch_Final.pptx
+++ b/PresentationContent/ConvoSearch_Final.pptx
@@ -21822,7 +21822,7 @@
                   <a:schemeClr val="bg1"/>
                 </a:buClr>
               </a:pPr>
-              <a:t>6/20/2016</a:t>
+              <a:t>6/21/2016</a:t>
             </a:fld>
             <a:endParaRPr lang="en-US" sz="900" dirty="0" smtClean="0">
               <a:solidFill>
@@ -21896,7 +21896,7 @@
                   <a:schemeClr val="bg1"/>
                 </a:buClr>
               </a:pPr>
-              <a:t>6/20/2016</a:t>
+              <a:t>6/21/2016</a:t>
             </a:fld>
             <a:endParaRPr lang="en-US" sz="900" dirty="0" smtClean="0">
               <a:solidFill>
@@ -22889,7 +22889,7 @@
                   <a:schemeClr val="bg1"/>
                 </a:buClr>
               </a:pPr>
-              <a:t>6/20/2016</a:t>
+              <a:t>6/21/2016</a:t>
             </a:fld>
             <a:endParaRPr lang="en-US" sz="900" dirty="0" smtClean="0">
               <a:solidFill>
@@ -22963,7 +22963,7 @@
                   <a:schemeClr val="bg1"/>
                 </a:buClr>
               </a:pPr>
-              <a:t>6/20/2016</a:t>
+              <a:t>6/21/2016</a:t>
             </a:fld>
             <a:endParaRPr lang="en-US" sz="900" dirty="0" smtClean="0">
               <a:solidFill>
@@ -23938,7 +23938,7 @@
                   <a:schemeClr val="bg1"/>
                 </a:buClr>
               </a:pPr>
-              <a:t>6/20/2016</a:t>
+              <a:t>6/21/2016</a:t>
             </a:fld>
             <a:endParaRPr lang="en-US" sz="1000" dirty="0" smtClean="0">
               <a:solidFill>
@@ -24843,7 +24843,7 @@
                   <a:schemeClr val="bg1"/>
                 </a:buClr>
               </a:pPr>
-              <a:t>6/20/2016</a:t>
+              <a:t>6/21/2016</a:t>
             </a:fld>
             <a:endParaRPr lang="en-US" sz="900" dirty="0" smtClean="0">
               <a:solidFill>
@@ -24917,7 +24917,7 @@
                   <a:schemeClr val="bg1"/>
                 </a:buClr>
               </a:pPr>
-              <a:t>6/20/2016</a:t>
+              <a:t>6/21/2016</a:t>
             </a:fld>
             <a:endParaRPr lang="en-US" sz="900" dirty="0" smtClean="0">
               <a:solidFill>
@@ -25765,7 +25765,7 @@
                   <a:schemeClr val="bg1"/>
                 </a:buClr>
               </a:pPr>
-              <a:t>6/20/2016</a:t>
+              <a:t>6/21/2016</a:t>
             </a:fld>
             <a:endParaRPr lang="en-US" sz="900" dirty="0" smtClean="0">
               <a:solidFill>
@@ -25839,7 +25839,7 @@
                   <a:schemeClr val="bg1"/>
                 </a:buClr>
               </a:pPr>
-              <a:t>6/20/2016</a:t>
+              <a:t>6/21/2016</a:t>
             </a:fld>
             <a:endParaRPr lang="en-US" sz="900" dirty="0" smtClean="0">
               <a:solidFill>
@@ -26753,7 +26753,7 @@
                   <a:schemeClr val="bg1"/>
                 </a:buClr>
               </a:pPr>
-              <a:t>6/20/2016</a:t>
+              <a:t>6/21/2016</a:t>
             </a:fld>
             <a:endParaRPr lang="en-US" sz="900" dirty="0" smtClean="0">
               <a:solidFill>
@@ -26827,7 +26827,7 @@
                   <a:schemeClr val="bg1"/>
                 </a:buClr>
               </a:pPr>
-              <a:t>6/20/2016</a:t>
+              <a:t>6/21/2016</a:t>
             </a:fld>
             <a:endParaRPr lang="en-US" sz="900" dirty="0" smtClean="0">
               <a:solidFill>
@@ -27741,7 +27741,7 @@
                   <a:schemeClr val="bg1"/>
                 </a:buClr>
               </a:pPr>
-              <a:t>6/20/2016</a:t>
+              <a:t>6/21/2016</a:t>
             </a:fld>
             <a:endParaRPr lang="en-US" sz="900" dirty="0" smtClean="0">
               <a:solidFill>
@@ -27815,7 +27815,7 @@
                   <a:schemeClr val="bg1"/>
                 </a:buClr>
               </a:pPr>
-              <a:t>6/20/2016</a:t>
+              <a:t>6/21/2016</a:t>
             </a:fld>
             <a:endParaRPr lang="en-US" sz="900" dirty="0" smtClean="0">
               <a:solidFill>
@@ -28729,7 +28729,7 @@
                   <a:schemeClr val="bg1"/>
                 </a:buClr>
               </a:pPr>
-              <a:t>6/20/2016</a:t>
+              <a:t>6/21/2016</a:t>
             </a:fld>
             <a:endParaRPr lang="en-US" sz="900" dirty="0" smtClean="0">
               <a:solidFill>
@@ -28803,7 +28803,7 @@
                   <a:schemeClr val="bg1"/>
                 </a:buClr>
               </a:pPr>
-              <a:t>6/20/2016</a:t>
+              <a:t>6/21/2016</a:t>
             </a:fld>
             <a:endParaRPr lang="en-US" sz="900" dirty="0" smtClean="0">
               <a:solidFill>
@@ -29717,7 +29717,7 @@
                   <a:schemeClr val="bg1"/>
                 </a:buClr>
               </a:pPr>
-              <a:t>6/20/2016</a:t>
+              <a:t>6/21/2016</a:t>
             </a:fld>
             <a:endParaRPr lang="en-US" sz="900" dirty="0" smtClean="0">
               <a:solidFill>
@@ -29791,7 +29791,7 @@
                   <a:schemeClr val="bg1"/>
                 </a:buClr>
               </a:pPr>
-              <a:t>6/20/2016</a:t>
+              <a:t>6/21/2016</a:t>
             </a:fld>
             <a:endParaRPr lang="en-US" sz="900" dirty="0" smtClean="0">
               <a:solidFill>
@@ -30705,7 +30705,7 @@
                   <a:schemeClr val="bg1"/>
                 </a:buClr>
               </a:pPr>
-              <a:t>6/20/2016</a:t>
+              <a:t>6/21/2016</a:t>
             </a:fld>
             <a:endParaRPr lang="en-US" sz="900" dirty="0" smtClean="0">
               <a:solidFill>
@@ -30779,7 +30779,7 @@
                   <a:schemeClr val="bg1"/>
                 </a:buClr>
               </a:pPr>
-              <a:t>6/20/2016</a:t>
+              <a:t>6/21/2016</a:t>
             </a:fld>
             <a:endParaRPr lang="en-US" sz="900" dirty="0" smtClean="0">
               <a:solidFill>
@@ -31594,7 +31594,7 @@
         </p:nvSpPr>
         <p:spPr>
           <a:xfrm>
-            <a:off x="274319" y="691763"/>
+            <a:off x="332274" y="961002"/>
             <a:ext cx="7999273" cy="1661993"/>
           </a:xfrm>
         </p:spPr>
@@ -31606,14 +31606,11 @@
           <a:p>
             <a:r>
               <a:rPr lang="en-US" dirty="0" smtClean="0"/>
-              <a:t>ConvoSearch – </a:t>
-            </a:r>
-            <a:br>
-              <a:rPr lang="en-US" dirty="0" smtClean="0"/>
-            </a:br>
-            <a:r>
-              <a:rPr lang="en-US" dirty="0" smtClean="0"/>
-              <a:t>“Delly” Virtual Assistant</a:t>
+              <a:t>Virtual </a:t>
+            </a:r>
+            <a:r>
+              <a:rPr lang="en-US" dirty="0" smtClean="0"/>
+              <a:t>Assistant</a:t>
             </a:r>
             <a:endParaRPr lang="en-US" dirty="0"/>
           </a:p>
@@ -31647,6 +31644,36 @@
           </a:p>
         </p:txBody>
       </p:sp>
+      <p:pic>
+        <p:nvPicPr>
+          <p:cNvPr id="4" name="Picture 3"/>
+          <p:cNvPicPr>
+            <a:picLocks noChangeAspect="1"/>
+          </p:cNvPicPr>
+          <p:nvPr/>
+        </p:nvPicPr>
+        <p:blipFill>
+          <a:blip r:embed="rId3">
+            <a:extLst>
+              <a:ext uri="{28A0092B-C50C-407E-A947-70E740481C1C}">
+                <a14:useLocalDpi xmlns:a14="http://schemas.microsoft.com/office/drawing/2010/main" val="0"/>
+              </a:ext>
+            </a:extLst>
+          </a:blip>
+          <a:stretch>
+            <a:fillRect/>
+          </a:stretch>
+        </p:blipFill>
+        <p:spPr>
+          <a:xfrm>
+            <a:off x="2679610" y="382081"/>
+            <a:ext cx="4686300" cy="1971675"/>
+          </a:xfrm>
+          <a:prstGeom prst="rect">
+            <a:avLst/>
+          </a:prstGeom>
+        </p:spPr>
+      </p:pic>
     </p:spTree>
     <p:extLst>
       <p:ext uri="{BB962C8B-B14F-4D97-AF65-F5344CB8AC3E}">
@@ -36519,6 +36546,21 @@
 </file>
 
 <file path=customXml/item1.xml><?xml version="1.0" encoding="utf-8"?>
+<?mso-contentType ?>
+<FormTemplates xmlns="http://schemas.microsoft.com/sharepoint/v3/contenttype/forms">
+  <Display>DocumentLibraryForm</Display>
+  <Edit>DocumentLibraryForm</Edit>
+  <New>DocumentLibraryForm</New>
+</FormTemplates>
+</file>
+
+<file path=customXml/item2.xml><?xml version="1.0" encoding="utf-8"?>
+<p:properties xmlns:p="http://schemas.microsoft.com/office/2006/metadata/properties" xmlns:xsi="http://www.w3.org/2001/XMLSchema-instance">
+  <documentManagement/>
+</p:properties>
+</file>
+
+<file path=customXml/item3.xml><?xml version="1.0" encoding="utf-8"?>
 <ct:contentTypeSchema xmlns:ct="http://schemas.microsoft.com/office/2006/metadata/contentType" xmlns:ma="http://schemas.microsoft.com/office/2006/metadata/properties/metaAttributes" ct:_="" ma:_="" ma:contentTypeName="Document" ma:contentTypeID="0x010100EAEEBEE83C66E54EA9BED83B0A9A60DB" ma:contentTypeVersion="1" ma:contentTypeDescription="Create a new document." ma:contentTypeScope="" ma:versionID="51a43b2161297f783d65b37e357c79e9">
   <xsd:schema xmlns:xsd="http://www.w3.org/2001/XMLSchema" xmlns:p="http://schemas.microsoft.com/office/2006/metadata/properties" targetNamespace="http://schemas.microsoft.com/office/2006/metadata/properties" ma:root="true" ma:fieldsID="b9cfef283e0bc2d986a66f9ec0cdc424">
     <xsd:element name="properties">
@@ -36567,32 +36609,10 @@
 </ct:contentTypeSchema>
 </file>
 
-<file path=customXml/item2.xml><?xml version="1.0" encoding="utf-8"?>
-<p:properties xmlns:p="http://schemas.microsoft.com/office/2006/metadata/properties" xmlns:xsi="http://www.w3.org/2001/XMLSchema-instance">
-  <documentManagement/>
-</p:properties>
-</file>
-
-<file path=customXml/item3.xml><?xml version="1.0" encoding="utf-8"?>
-<?mso-contentType ?>
-<FormTemplates xmlns="http://schemas.microsoft.com/sharepoint/v3/contenttype/forms">
-  <Display>DocumentLibraryForm</Display>
-  <Edit>DocumentLibraryForm</Edit>
-  <New>DocumentLibraryForm</New>
-</FormTemplates>
-</file>
-
 <file path=customXml/itemProps1.xml><?xml version="1.0" encoding="utf-8"?>
-<ds:datastoreItem xmlns:ds="http://schemas.openxmlformats.org/officeDocument/2006/customXml" ds:itemID="{A3332CB6-AB82-4DD3-8C89-C660A1C3944B}">
+<ds:datastoreItem xmlns:ds="http://schemas.openxmlformats.org/officeDocument/2006/customXml" ds:itemID="{86FC490B-1F77-48C5-AC70-1DD939DBDF04}">
   <ds:schemaRefs>
-    <ds:schemaRef ds:uri="http://schemas.microsoft.com/office/2006/metadata/contentType"/>
-    <ds:schemaRef ds:uri="http://schemas.microsoft.com/office/2006/metadata/properties/metaAttributes"/>
-    <ds:schemaRef ds:uri="http://www.w3.org/2001/XMLSchema"/>
-    <ds:schemaRef ds:uri="http://schemas.microsoft.com/office/2006/metadata/properties"/>
-    <ds:schemaRef ds:uri="http://schemas.openxmlformats.org/package/2006/metadata/core-properties"/>
-    <ds:schemaRef ds:uri="http://purl.org/dc/elements/1.1/"/>
-    <ds:schemaRef ds:uri="http://purl.org/dc/terms/"/>
-    <ds:schemaRef ds:uri="http://schemas.microsoft.com/office/internal/2005/internalDocumentation"/>
+    <ds:schemaRef ds:uri="http://schemas.microsoft.com/sharepoint/v3/contenttype/forms"/>
   </ds:schemaRefs>
 </ds:datastoreItem>
 </file>
@@ -36612,9 +36632,16 @@
 </file>
 
 <file path=customXml/itemProps3.xml><?xml version="1.0" encoding="utf-8"?>
-<ds:datastoreItem xmlns:ds="http://schemas.openxmlformats.org/officeDocument/2006/customXml" ds:itemID="{86FC490B-1F77-48C5-AC70-1DD939DBDF04}">
+<ds:datastoreItem xmlns:ds="http://schemas.openxmlformats.org/officeDocument/2006/customXml" ds:itemID="{A3332CB6-AB82-4DD3-8C89-C660A1C3944B}">
   <ds:schemaRefs>
-    <ds:schemaRef ds:uri="http://schemas.microsoft.com/sharepoint/v3/contenttype/forms"/>
+    <ds:schemaRef ds:uri="http://schemas.microsoft.com/office/2006/metadata/contentType"/>
+    <ds:schemaRef ds:uri="http://schemas.microsoft.com/office/2006/metadata/properties/metaAttributes"/>
+    <ds:schemaRef ds:uri="http://www.w3.org/2001/XMLSchema"/>
+    <ds:schemaRef ds:uri="http://schemas.microsoft.com/office/2006/metadata/properties"/>
+    <ds:schemaRef ds:uri="http://schemas.openxmlformats.org/package/2006/metadata/core-properties"/>
+    <ds:schemaRef ds:uri="http://purl.org/dc/elements/1.1/"/>
+    <ds:schemaRef ds:uri="http://purl.org/dc/terms/"/>
+    <ds:schemaRef ds:uri="http://schemas.microsoft.com/office/internal/2005/internalDocumentation"/>
   </ds:schemaRefs>
 </ds:datastoreItem>
 </file>